--- a/figs/Graph_Explanation.pptx
+++ b/figs/Graph_Explanation.pptx
@@ -10,6 +10,7 @@
     <p:sldId id="258" r:id="rId4"/>
     <p:sldId id="260" r:id="rId5"/>
     <p:sldId id="261" r:id="rId6"/>
+    <p:sldId id="262" r:id="rId7"/>
   </p:sldIdLst>
   <p:sldSz cx="9144000" cy="6858000" type="screen4x3"/>
   <p:notesSz cx="6858000" cy="9144000"/>
@@ -4290,7 +4291,7 @@
         </p:nvSpPr>
         <p:spPr>
           <a:xfrm>
-            <a:off x="6086907" y="2708874"/>
+            <a:off x="5958837" y="2636617"/>
             <a:ext cx="301660" cy="369332"/>
           </a:xfrm>
           <a:prstGeom prst="rect">
@@ -4396,7 +4397,7 @@
             <a:pPr algn="ctr"/>
             <a:r>
               <a:rPr lang="en-US" dirty="0" smtClean="0"/>
-              <a:t>Users who watched same as 1</a:t>
+              <a:t>Users who watched same as User 1</a:t>
             </a:r>
             <a:endParaRPr lang="en-US" dirty="0"/>
           </a:p>
@@ -4428,6 +4429,37 @@
             <a:r>
               <a:rPr lang="en-US" dirty="0" smtClean="0"/>
               <a:t>Potential Recommendations</a:t>
+            </a:r>
+            <a:endParaRPr lang="en-US" dirty="0"/>
+          </a:p>
+        </p:txBody>
+      </p:sp>
+      <p:sp>
+        <p:nvSpPr>
+          <p:cNvPr id="46" name="TextBox 45"/>
+          <p:cNvSpPr txBox="1"/>
+          <p:nvPr/>
+        </p:nvSpPr>
+        <p:spPr>
+          <a:xfrm>
+            <a:off x="2325334" y="5241383"/>
+            <a:ext cx="4531288" cy="646331"/>
+          </a:xfrm>
+          <a:prstGeom prst="rect">
+            <a:avLst/>
+          </a:prstGeom>
+          <a:noFill/>
+        </p:spPr>
+        <p:txBody>
+          <a:bodyPr wrap="square" rtlCol="0">
+            <a:spAutoFit/>
+          </a:bodyPr>
+          <a:lstStyle/>
+          <a:p>
+            <a:pPr algn="ctr"/>
+            <a:r>
+              <a:rPr lang="en-US" dirty="0" smtClean="0"/>
+              <a:t>Shortest Distance from User 1 to Potential Recommendations is 4 From 1 -&gt; C -&gt; 2 -&gt; E</a:t>
             </a:r>
             <a:endParaRPr lang="en-US" dirty="0"/>
           </a:p>
@@ -4731,6 +4763,193 @@
           </a:prstGeom>
         </p:spPr>
       </p:pic>
+      <p:graphicFrame>
+        <p:nvGraphicFramePr>
+          <p:cNvPr id="12" name="Table 11"/>
+          <p:cNvGraphicFramePr>
+            <a:graphicFrameLocks noGrp="1"/>
+          </p:cNvGraphicFramePr>
+          <p:nvPr>
+            <p:extLst>
+              <p:ext uri="{D42A27DB-BD31-4B8C-83A1-F6EECF244321}">
+                <p14:modId xmlns:p14="http://schemas.microsoft.com/office/powerpoint/2010/main" val="1595802756"/>
+              </p:ext>
+            </p:extLst>
+          </p:nvPr>
+        </p:nvGraphicFramePr>
+        <p:xfrm>
+          <a:off x="5310542" y="2514530"/>
+          <a:ext cx="2938208" cy="1854200"/>
+        </p:xfrm>
+        <a:graphic>
+          <a:graphicData uri="http://schemas.openxmlformats.org/drawingml/2006/table">
+            <a:tbl>
+              <a:tblPr firstRow="1" bandRow="1">
+                <a:tableStyleId>{5C22544A-7EE6-4342-B048-85BDC9FD1C3A}</a:tableStyleId>
+              </a:tblPr>
+              <a:tblGrid>
+                <a:gridCol w="1521399"/>
+                <a:gridCol w="1416809"/>
+              </a:tblGrid>
+              <a:tr h="370840">
+                <a:tc>
+                  <a:txBody>
+                    <a:bodyPr/>
+                    <a:lstStyle/>
+                    <a:p>
+                      <a:r>
+                        <a:rPr lang="en-US" dirty="0" smtClean="0"/>
+                        <a:t>Movie</a:t>
+                      </a:r>
+                      <a:endParaRPr lang="en-US" dirty="0"/>
+                    </a:p>
+                  </a:txBody>
+                  <a:tcPr/>
+                </a:tc>
+                <a:tc>
+                  <a:txBody>
+                    <a:bodyPr/>
+                    <a:lstStyle/>
+                    <a:p>
+                      <a:pPr algn="ctr"/>
+                      <a:r>
+                        <a:rPr lang="en-US" dirty="0" smtClean="0"/>
+                        <a:t>Distance</a:t>
+                      </a:r>
+                      <a:endParaRPr lang="en-US" dirty="0"/>
+                    </a:p>
+                  </a:txBody>
+                  <a:tcPr/>
+                </a:tc>
+              </a:tr>
+              <a:tr h="370840">
+                <a:tc>
+                  <a:txBody>
+                    <a:bodyPr/>
+                    <a:lstStyle/>
+                    <a:p>
+                      <a:r>
+                        <a:rPr lang="en-US" dirty="0" smtClean="0"/>
+                        <a:t>Up</a:t>
+                      </a:r>
+                      <a:endParaRPr lang="en-US" dirty="0"/>
+                    </a:p>
+                  </a:txBody>
+                  <a:tcPr/>
+                </a:tc>
+                <a:tc>
+                  <a:txBody>
+                    <a:bodyPr/>
+                    <a:lstStyle/>
+                    <a:p>
+                      <a:pPr algn="ctr"/>
+                      <a:r>
+                        <a:rPr lang="nl-NL" dirty="0" smtClean="0"/>
+                        <a:t>8.69476</a:t>
+                      </a:r>
+                      <a:endParaRPr lang="en-US" dirty="0"/>
+                    </a:p>
+                  </a:txBody>
+                  <a:tcPr/>
+                </a:tc>
+              </a:tr>
+              <a:tr h="370840">
+                <a:tc>
+                  <a:txBody>
+                    <a:bodyPr/>
+                    <a:lstStyle/>
+                    <a:p>
+                      <a:r>
+                        <a:rPr lang="en-US" dirty="0" smtClean="0"/>
+                        <a:t>The Departed</a:t>
+                      </a:r>
+                      <a:endParaRPr lang="en-US" dirty="0"/>
+                    </a:p>
+                  </a:txBody>
+                  <a:tcPr/>
+                </a:tc>
+                <a:tc>
+                  <a:txBody>
+                    <a:bodyPr/>
+                    <a:lstStyle/>
+                    <a:p>
+                      <a:pPr algn="ctr"/>
+                      <a:r>
+                        <a:rPr lang="nl-NL" dirty="0" smtClean="0"/>
+                        <a:t>9.34264</a:t>
+                      </a:r>
+                      <a:endParaRPr lang="en-US" dirty="0"/>
+                    </a:p>
+                  </a:txBody>
+                  <a:tcPr/>
+                </a:tc>
+              </a:tr>
+              <a:tr h="370840">
+                <a:tc>
+                  <a:txBody>
+                    <a:bodyPr/>
+                    <a:lstStyle/>
+                    <a:p>
+                      <a:r>
+                        <a:rPr lang="nl-NL" dirty="0" smtClean="0"/>
+                        <a:t>The Insider</a:t>
+                      </a:r>
+                      <a:endParaRPr lang="en-US" dirty="0"/>
+                    </a:p>
+                  </a:txBody>
+                  <a:tcPr/>
+                </a:tc>
+                <a:tc>
+                  <a:txBody>
+                    <a:bodyPr/>
+                    <a:lstStyle/>
+                    <a:p>
+                      <a:pPr algn="ctr"/>
+                      <a:r>
+                        <a:rPr lang="nl-NL" dirty="0" smtClean="0"/>
+                        <a:t>9.34739</a:t>
+                      </a:r>
+                      <a:endParaRPr lang="en-US" dirty="0"/>
+                    </a:p>
+                  </a:txBody>
+                  <a:tcPr/>
+                </a:tc>
+              </a:tr>
+              <a:tr h="370840">
+                <a:tc>
+                  <a:txBody>
+                    <a:bodyPr/>
+                    <a:lstStyle/>
+                    <a:p>
+                      <a:r>
+                        <a:rPr lang="nl-NL" dirty="0" smtClean="0"/>
+                        <a:t>Borat</a:t>
+                      </a:r>
+                      <a:endParaRPr lang="en-US" dirty="0"/>
+                    </a:p>
+                  </a:txBody>
+                  <a:tcPr/>
+                </a:tc>
+                <a:tc>
+                  <a:txBody>
+                    <a:bodyPr/>
+                    <a:lstStyle/>
+                    <a:p>
+                      <a:pPr algn="ctr"/>
+                      <a:r>
+                        <a:rPr lang="nl-NL" dirty="0" smtClean="0"/>
+                        <a:t>9.37270</a:t>
+                      </a:r>
+                      <a:endParaRPr lang="en-US" dirty="0"/>
+                    </a:p>
+                  </a:txBody>
+                  <a:tcPr/>
+                </a:tc>
+              </a:tr>
+            </a:tbl>
+          </a:graphicData>
+        </a:graphic>
+      </p:graphicFrame>
     </p:spTree>
     <p:extLst>
       <p:ext uri="{BB962C8B-B14F-4D97-AF65-F5344CB8AC3E}">
@@ -4899,6 +5118,205 @@
           </a:prstGeom>
         </p:spPr>
       </p:pic>
+      <p:graphicFrame>
+        <p:nvGraphicFramePr>
+          <p:cNvPr id="12" name="Table 11"/>
+          <p:cNvGraphicFramePr>
+            <a:graphicFrameLocks noGrp="1"/>
+          </p:cNvGraphicFramePr>
+          <p:nvPr>
+            <p:extLst>
+              <p:ext uri="{D42A27DB-BD31-4B8C-83A1-F6EECF244321}">
+                <p14:modId xmlns:p14="http://schemas.microsoft.com/office/powerpoint/2010/main" val="363504349"/>
+              </p:ext>
+            </p:extLst>
+          </p:nvPr>
+        </p:nvGraphicFramePr>
+        <p:xfrm>
+          <a:off x="5310541" y="2514530"/>
+          <a:ext cx="3357191" cy="1854200"/>
+        </p:xfrm>
+        <a:graphic>
+          <a:graphicData uri="http://schemas.openxmlformats.org/drawingml/2006/table">
+            <a:tbl>
+              <a:tblPr firstRow="1" bandRow="1">
+                <a:tableStyleId>{5C22544A-7EE6-4342-B048-85BDC9FD1C3A}</a:tableStyleId>
+              </a:tblPr>
+              <a:tblGrid>
+                <a:gridCol w="1738348"/>
+                <a:gridCol w="1618843"/>
+              </a:tblGrid>
+              <a:tr h="370840">
+                <a:tc>
+                  <a:txBody>
+                    <a:bodyPr/>
+                    <a:lstStyle/>
+                    <a:p>
+                      <a:pPr algn="l"/>
+                      <a:r>
+                        <a:rPr lang="en-US" dirty="0" smtClean="0"/>
+                        <a:t>Movie</a:t>
+                      </a:r>
+                      <a:endParaRPr lang="en-US" dirty="0"/>
+                    </a:p>
+                  </a:txBody>
+                  <a:tcPr/>
+                </a:tc>
+                <a:tc>
+                  <a:txBody>
+                    <a:bodyPr/>
+                    <a:lstStyle/>
+                    <a:p>
+                      <a:pPr algn="ctr"/>
+                      <a:r>
+                        <a:rPr lang="en-US" dirty="0" smtClean="0"/>
+                        <a:t>Distance</a:t>
+                      </a:r>
+                      <a:endParaRPr lang="en-US" dirty="0"/>
+                    </a:p>
+                  </a:txBody>
+                  <a:tcPr/>
+                </a:tc>
+              </a:tr>
+              <a:tr h="370840">
+                <a:tc>
+                  <a:txBody>
+                    <a:bodyPr/>
+                    <a:lstStyle/>
+                    <a:p>
+                      <a:pPr algn="l"/>
+                      <a:r>
+                        <a:rPr lang="nl-NL" dirty="0" err="1" smtClean="0"/>
+                        <a:t>Downton</a:t>
+                      </a:r>
+                      <a:r>
+                        <a:rPr lang="nl-NL" dirty="0" smtClean="0"/>
+                        <a:t> Abbey</a:t>
+                      </a:r>
+                      <a:endParaRPr lang="en-US" dirty="0"/>
+                    </a:p>
+                  </a:txBody>
+                  <a:tcPr/>
+                </a:tc>
+                <a:tc>
+                  <a:txBody>
+                    <a:bodyPr/>
+                    <a:lstStyle/>
+                    <a:p>
+                      <a:pPr algn="ctr"/>
+                      <a:r>
+                        <a:rPr lang="en-US" dirty="0" smtClean="0"/>
+                        <a:t>16.507</a:t>
+                      </a:r>
+                      <a:endParaRPr lang="en-US" dirty="0"/>
+                    </a:p>
+                  </a:txBody>
+                  <a:tcPr/>
+                </a:tc>
+              </a:tr>
+              <a:tr h="370840">
+                <a:tc>
+                  <a:txBody>
+                    <a:bodyPr/>
+                    <a:lstStyle/>
+                    <a:p>
+                      <a:pPr algn="l"/>
+                      <a:r>
+                        <a:rPr lang="nl-NL" dirty="0" smtClean="0"/>
+                        <a:t>The Artist</a:t>
+                      </a:r>
+                      <a:endParaRPr lang="en-US" dirty="0"/>
+                    </a:p>
+                  </a:txBody>
+                  <a:tcPr/>
+                </a:tc>
+                <a:tc>
+                  <a:txBody>
+                    <a:bodyPr/>
+                    <a:lstStyle/>
+                    <a:p>
+                      <a:pPr algn="ctr"/>
+                      <a:r>
+                        <a:rPr lang="en-US" smtClean="0"/>
+                        <a:t>16.875</a:t>
+                      </a:r>
+                    </a:p>
+                  </a:txBody>
+                  <a:tcPr/>
+                </a:tc>
+              </a:tr>
+              <a:tr h="370840">
+                <a:tc>
+                  <a:txBody>
+                    <a:bodyPr/>
+                    <a:lstStyle/>
+                    <a:p>
+                      <a:pPr algn="l"/>
+                      <a:r>
+                        <a:rPr lang="en-US" dirty="0" smtClean="0"/>
+                        <a:t>L.A.</a:t>
+                      </a:r>
+                      <a:r>
+                        <a:rPr lang="en-US" baseline="0" dirty="0" smtClean="0"/>
+                        <a:t> Confidential</a:t>
+                      </a:r>
+                      <a:endParaRPr lang="en-US" dirty="0"/>
+                    </a:p>
+                  </a:txBody>
+                  <a:tcPr/>
+                </a:tc>
+                <a:tc>
+                  <a:txBody>
+                    <a:bodyPr/>
+                    <a:lstStyle/>
+                    <a:p>
+                      <a:pPr algn="ctr"/>
+                      <a:r>
+                        <a:rPr lang="en-US" dirty="0" smtClean="0"/>
+                        <a:t>16.922</a:t>
+                      </a:r>
+                      <a:endParaRPr lang="en-US" dirty="0"/>
+                    </a:p>
+                  </a:txBody>
+                  <a:tcPr/>
+                </a:tc>
+              </a:tr>
+              <a:tr h="370840">
+                <a:tc>
+                  <a:txBody>
+                    <a:bodyPr/>
+                    <a:lstStyle/>
+                    <a:p>
+                      <a:pPr algn="l"/>
+                      <a:r>
+                        <a:rPr lang="en-US" dirty="0" smtClean="0"/>
+                        <a:t>Tree of Life</a:t>
+                      </a:r>
+                      <a:endParaRPr lang="en-US" dirty="0"/>
+                    </a:p>
+                  </a:txBody>
+                  <a:tcPr/>
+                </a:tc>
+                <a:tc>
+                  <a:txBody>
+                    <a:bodyPr/>
+                    <a:lstStyle/>
+                    <a:p>
+                      <a:pPr algn="ctr"/>
+                      <a:r>
+                        <a:rPr lang="en-US" dirty="0" smtClean="0"/>
+                        <a:t>17.465</a:t>
+                      </a:r>
+                      <a:endParaRPr lang="en-US" dirty="0"/>
+                    </a:p>
+                  </a:txBody>
+                  <a:tcPr/>
+                </a:tc>
+              </a:tr>
+            </a:tbl>
+          </a:graphicData>
+        </a:graphic>
+      </p:graphicFrame>
     </p:spTree>
     <p:extLst>
       <p:ext uri="{BB962C8B-B14F-4D97-AF65-F5344CB8AC3E}">
@@ -6173,6 +6591,491 @@
     <p:extLst>
       <p:ext uri="{BB962C8B-B14F-4D97-AF65-F5344CB8AC3E}">
         <p14:creationId xmlns:p14="http://schemas.microsoft.com/office/powerpoint/2010/main" val="2344331212"/>
+      </p:ext>
+    </p:extLst>
+  </p:cSld>
+  <p:clrMapOvr>
+    <a:masterClrMapping/>
+  </p:clrMapOvr>
+</p:sld>
+</file>
+
+<file path=ppt/slides/slide6.xml><?xml version="1.0" encoding="utf-8"?>
+<p:sld xmlns:a="http://schemas.openxmlformats.org/drawingml/2006/main" xmlns:r="http://schemas.openxmlformats.org/officeDocument/2006/relationships" xmlns:p="http://schemas.openxmlformats.org/presentationml/2006/main">
+  <p:cSld>
+    <p:spTree>
+      <p:nvGrpSpPr>
+        <p:cNvPr id="1" name=""/>
+        <p:cNvGrpSpPr/>
+        <p:nvPr/>
+      </p:nvGrpSpPr>
+      <p:grpSpPr>
+        <a:xfrm>
+          <a:off x="0" y="0"/>
+          <a:ext cx="0" cy="0"/>
+          <a:chOff x="0" y="0"/>
+          <a:chExt cx="0" cy="0"/>
+        </a:xfrm>
+      </p:grpSpPr>
+      <p:sp>
+        <p:nvSpPr>
+          <p:cNvPr id="4" name="Oval 3"/>
+          <p:cNvSpPr/>
+          <p:nvPr/>
+        </p:nvSpPr>
+        <p:spPr>
+          <a:xfrm>
+            <a:off x="309263" y="581141"/>
+            <a:ext cx="3134266" cy="3203033"/>
+          </a:xfrm>
+          <a:prstGeom prst="ellipse">
+            <a:avLst/>
+          </a:prstGeom>
+          <a:gradFill flip="none" rotWithShape="1">
+            <a:gsLst>
+              <a:gs pos="0">
+                <a:schemeClr val="accent2">
+                  <a:tint val="100000"/>
+                  <a:shade val="100000"/>
+                  <a:satMod val="130000"/>
+                  <a:alpha val="22000"/>
+                </a:schemeClr>
+              </a:gs>
+              <a:gs pos="100000">
+                <a:schemeClr val="accent2">
+                  <a:tint val="50000"/>
+                  <a:shade val="100000"/>
+                  <a:satMod val="350000"/>
+                  <a:alpha val="22000"/>
+                </a:schemeClr>
+              </a:gs>
+            </a:gsLst>
+            <a:lin ang="16200000" scaled="0"/>
+            <a:tileRect/>
+          </a:gradFill>
+        </p:spPr>
+        <p:style>
+          <a:lnRef idx="1">
+            <a:schemeClr val="accent2"/>
+          </a:lnRef>
+          <a:fillRef idx="3">
+            <a:schemeClr val="accent2"/>
+          </a:fillRef>
+          <a:effectRef idx="2">
+            <a:schemeClr val="accent2"/>
+          </a:effectRef>
+          <a:fontRef idx="minor">
+            <a:schemeClr val="lt1"/>
+          </a:fontRef>
+        </p:style>
+        <p:txBody>
+          <a:bodyPr rtlCol="0" anchor="ctr"/>
+          <a:lstStyle/>
+          <a:p>
+            <a:r>
+              <a:rPr lang="en-US" dirty="0" smtClean="0">
+                <a:solidFill>
+                  <a:schemeClr val="tx1">
+                    <a:lumMod val="95000"/>
+                    <a:lumOff val="5000"/>
+                  </a:schemeClr>
+                </a:solidFill>
+              </a:rPr>
+              <a:t>Top 100 Users </a:t>
+            </a:r>
+          </a:p>
+          <a:p>
+            <a:r>
+              <a:rPr lang="en-US" dirty="0" smtClean="0">
+                <a:solidFill>
+                  <a:schemeClr val="tx1">
+                    <a:lumMod val="95000"/>
+                    <a:lumOff val="5000"/>
+                  </a:schemeClr>
+                </a:solidFill>
+              </a:rPr>
+              <a:t>by Number of</a:t>
+            </a:r>
+          </a:p>
+          <a:p>
+            <a:r>
+              <a:rPr lang="en-US" dirty="0" smtClean="0">
+                <a:solidFill>
+                  <a:schemeClr val="tx1">
+                    <a:lumMod val="95000"/>
+                    <a:lumOff val="5000"/>
+                  </a:schemeClr>
+                </a:solidFill>
+              </a:rPr>
+              <a:t>Reviews</a:t>
+            </a:r>
+            <a:endParaRPr lang="en-US" dirty="0">
+              <a:solidFill>
+                <a:schemeClr val="tx1">
+                  <a:lumMod val="95000"/>
+                  <a:lumOff val="5000"/>
+                </a:schemeClr>
+              </a:solidFill>
+            </a:endParaRPr>
+          </a:p>
+        </p:txBody>
+      </p:sp>
+      <p:sp>
+        <p:nvSpPr>
+          <p:cNvPr id="5" name="Oval 4"/>
+          <p:cNvSpPr/>
+          <p:nvPr/>
+        </p:nvSpPr>
+        <p:spPr>
+          <a:xfrm>
+            <a:off x="2399466" y="572090"/>
+            <a:ext cx="3134266" cy="3203033"/>
+          </a:xfrm>
+          <a:prstGeom prst="ellipse">
+            <a:avLst/>
+          </a:prstGeom>
+          <a:gradFill flip="none" rotWithShape="1">
+            <a:gsLst>
+              <a:gs pos="0">
+                <a:schemeClr val="accent3">
+                  <a:tint val="100000"/>
+                  <a:shade val="100000"/>
+                  <a:satMod val="130000"/>
+                  <a:alpha val="14000"/>
+                </a:schemeClr>
+              </a:gs>
+              <a:gs pos="100000">
+                <a:schemeClr val="accent3">
+                  <a:tint val="50000"/>
+                  <a:shade val="100000"/>
+                  <a:satMod val="350000"/>
+                  <a:alpha val="14000"/>
+                </a:schemeClr>
+              </a:gs>
+            </a:gsLst>
+            <a:lin ang="16200000" scaled="0"/>
+            <a:tileRect/>
+          </a:gradFill>
+        </p:spPr>
+        <p:style>
+          <a:lnRef idx="1">
+            <a:schemeClr val="accent3"/>
+          </a:lnRef>
+          <a:fillRef idx="3">
+            <a:schemeClr val="accent3"/>
+          </a:fillRef>
+          <a:effectRef idx="2">
+            <a:schemeClr val="accent3"/>
+          </a:effectRef>
+          <a:fontRef idx="minor">
+            <a:schemeClr val="lt1"/>
+          </a:fontRef>
+        </p:style>
+        <p:txBody>
+          <a:bodyPr rtlCol="0" anchor="ctr"/>
+          <a:lstStyle/>
+          <a:p>
+            <a:pPr algn="r"/>
+            <a:r>
+              <a:rPr lang="en-US" dirty="0" smtClean="0">
+                <a:solidFill>
+                  <a:srgbClr val="0D0D0D"/>
+                </a:solidFill>
+              </a:rPr>
+              <a:t>Top 500  Movies</a:t>
+            </a:r>
+          </a:p>
+          <a:p>
+            <a:pPr algn="r"/>
+            <a:r>
+              <a:rPr lang="en-US" dirty="0" smtClean="0">
+                <a:solidFill>
+                  <a:srgbClr val="0D0D0D"/>
+                </a:solidFill>
+              </a:rPr>
+              <a:t> </a:t>
+            </a:r>
+            <a:r>
+              <a:rPr lang="en-US" dirty="0" smtClean="0">
+                <a:solidFill>
+                  <a:schemeClr val="tx1">
+                    <a:lumMod val="95000"/>
+                    <a:lumOff val="5000"/>
+                  </a:schemeClr>
+                </a:solidFill>
+              </a:rPr>
+              <a:t>by </a:t>
+            </a:r>
+            <a:r>
+              <a:rPr lang="en-US" dirty="0">
+                <a:solidFill>
+                  <a:schemeClr val="tx1">
+                    <a:lumMod val="95000"/>
+                    <a:lumOff val="5000"/>
+                  </a:schemeClr>
+                </a:solidFill>
+              </a:rPr>
+              <a:t>Number of</a:t>
+            </a:r>
+          </a:p>
+          <a:p>
+            <a:pPr algn="r"/>
+            <a:r>
+              <a:rPr lang="en-US" dirty="0" smtClean="0">
+                <a:solidFill>
+                  <a:schemeClr val="tx1">
+                    <a:lumMod val="95000"/>
+                    <a:lumOff val="5000"/>
+                  </a:schemeClr>
+                </a:solidFill>
+              </a:rPr>
+              <a:t>Reviews</a:t>
+            </a:r>
+            <a:endParaRPr lang="en-US" dirty="0">
+              <a:solidFill>
+                <a:schemeClr val="tx1">
+                  <a:lumMod val="95000"/>
+                  <a:lumOff val="5000"/>
+                </a:schemeClr>
+              </a:solidFill>
+            </a:endParaRPr>
+          </a:p>
+        </p:txBody>
+      </p:sp>
+      <p:sp>
+        <p:nvSpPr>
+          <p:cNvPr id="6" name="Oval 5"/>
+          <p:cNvSpPr/>
+          <p:nvPr/>
+        </p:nvSpPr>
+        <p:spPr>
+          <a:xfrm>
+            <a:off x="2464931" y="2409299"/>
+            <a:ext cx="873852" cy="916583"/>
+          </a:xfrm>
+          <a:prstGeom prst="ellipse">
+            <a:avLst/>
+          </a:prstGeom>
+          <a:gradFill flip="none" rotWithShape="1">
+            <a:gsLst>
+              <a:gs pos="0">
+                <a:schemeClr val="accent6">
+                  <a:tint val="100000"/>
+                  <a:shade val="100000"/>
+                  <a:satMod val="130000"/>
+                  <a:alpha val="65000"/>
+                </a:schemeClr>
+              </a:gs>
+              <a:gs pos="100000">
+                <a:schemeClr val="accent6">
+                  <a:tint val="50000"/>
+                  <a:shade val="100000"/>
+                  <a:satMod val="350000"/>
+                  <a:alpha val="65000"/>
+                </a:schemeClr>
+              </a:gs>
+            </a:gsLst>
+            <a:lin ang="16200000" scaled="0"/>
+            <a:tileRect/>
+          </a:gradFill>
+        </p:spPr>
+        <p:style>
+          <a:lnRef idx="1">
+            <a:schemeClr val="accent6"/>
+          </a:lnRef>
+          <a:fillRef idx="3">
+            <a:schemeClr val="accent6"/>
+          </a:fillRef>
+          <a:effectRef idx="2">
+            <a:schemeClr val="accent6"/>
+          </a:effectRef>
+          <a:fontRef idx="minor">
+            <a:schemeClr val="lt1"/>
+          </a:fontRef>
+        </p:style>
+        <p:txBody>
+          <a:bodyPr rtlCol="0" anchor="ctr"/>
+          <a:lstStyle/>
+          <a:p>
+            <a:r>
+              <a:rPr lang="en-US" sz="1200" dirty="0" smtClean="0">
+                <a:solidFill>
+                  <a:srgbClr val="0D0D0D"/>
+                </a:solidFill>
+              </a:rPr>
+              <a:t>Oscars</a:t>
+            </a:r>
+            <a:endParaRPr lang="en-US" sz="1200" dirty="0">
+              <a:solidFill>
+                <a:srgbClr val="0D0D0D"/>
+              </a:solidFill>
+            </a:endParaRPr>
+          </a:p>
+        </p:txBody>
+      </p:sp>
+      <p:graphicFrame>
+        <p:nvGraphicFramePr>
+          <p:cNvPr id="9" name="Table 8"/>
+          <p:cNvGraphicFramePr>
+            <a:graphicFrameLocks noGrp="1"/>
+          </p:cNvGraphicFramePr>
+          <p:nvPr>
+            <p:extLst>
+              <p:ext uri="{D42A27DB-BD31-4B8C-83A1-F6EECF244321}">
+                <p14:modId xmlns:p14="http://schemas.microsoft.com/office/powerpoint/2010/main" val="3418839870"/>
+              </p:ext>
+            </p:extLst>
+          </p:nvPr>
+        </p:nvGraphicFramePr>
+        <p:xfrm>
+          <a:off x="1644569" y="3858677"/>
+          <a:ext cx="2498080" cy="1483360"/>
+        </p:xfrm>
+        <a:graphic>
+          <a:graphicData uri="http://schemas.openxmlformats.org/drawingml/2006/table">
+            <a:tbl>
+              <a:tblPr firstRow="1" bandRow="1">
+                <a:tableStyleId>{5C22544A-7EE6-4342-B048-85BDC9FD1C3A}</a:tableStyleId>
+              </a:tblPr>
+              <a:tblGrid>
+                <a:gridCol w="1293501"/>
+                <a:gridCol w="1204579"/>
+              </a:tblGrid>
+              <a:tr h="370840">
+                <a:tc>
+                  <a:txBody>
+                    <a:bodyPr/>
+                    <a:lstStyle/>
+                    <a:p>
+                      <a:r>
+                        <a:rPr lang="en-US" dirty="0" smtClean="0"/>
+                        <a:t>Nodes</a:t>
+                      </a:r>
+                      <a:endParaRPr lang="en-US" dirty="0"/>
+                    </a:p>
+                  </a:txBody>
+                  <a:tcPr/>
+                </a:tc>
+                <a:tc>
+                  <a:txBody>
+                    <a:bodyPr/>
+                    <a:lstStyle/>
+                    <a:p>
+                      <a:r>
+                        <a:rPr lang="en-US" dirty="0" smtClean="0"/>
+                        <a:t>Total</a:t>
+                      </a:r>
+                      <a:endParaRPr lang="en-US" dirty="0"/>
+                    </a:p>
+                  </a:txBody>
+                  <a:tcPr/>
+                </a:tc>
+              </a:tr>
+              <a:tr h="370840">
+                <a:tc>
+                  <a:txBody>
+                    <a:bodyPr/>
+                    <a:lstStyle/>
+                    <a:p>
+                      <a:r>
+                        <a:rPr lang="en-US" dirty="0" smtClean="0"/>
+                        <a:t>Movies</a:t>
+                      </a:r>
+                      <a:endParaRPr lang="en-US" dirty="0"/>
+                    </a:p>
+                  </a:txBody>
+                  <a:tcPr/>
+                </a:tc>
+                <a:tc>
+                  <a:txBody>
+                    <a:bodyPr/>
+                    <a:lstStyle/>
+                    <a:p>
+                      <a:r>
+                        <a:rPr lang="is-IS" sz="1800" kern="1200" dirty="0" smtClean="0">
+                          <a:solidFill>
+                            <a:schemeClr val="dk1"/>
+                          </a:solidFill>
+                          <a:latin typeface="+mn-lt"/>
+                          <a:ea typeface="+mn-ea"/>
+                          <a:cs typeface="+mn-cs"/>
+                        </a:rPr>
+                        <a:t>481</a:t>
+                      </a:r>
+                      <a:endParaRPr lang="en-US" dirty="0"/>
+                    </a:p>
+                  </a:txBody>
+                  <a:tcPr/>
+                </a:tc>
+              </a:tr>
+              <a:tr h="370840">
+                <a:tc>
+                  <a:txBody>
+                    <a:bodyPr/>
+                    <a:lstStyle/>
+                    <a:p>
+                      <a:r>
+                        <a:rPr lang="en-US" dirty="0" smtClean="0"/>
+                        <a:t>Users</a:t>
+                      </a:r>
+                      <a:endParaRPr lang="en-US" dirty="0"/>
+                    </a:p>
+                  </a:txBody>
+                  <a:tcPr/>
+                </a:tc>
+                <a:tc>
+                  <a:txBody>
+                    <a:bodyPr/>
+                    <a:lstStyle/>
+                    <a:p>
+                      <a:r>
+                        <a:rPr lang="en-US" dirty="0" smtClean="0"/>
+                        <a:t>98</a:t>
+                      </a:r>
+                      <a:endParaRPr lang="en-US" dirty="0"/>
+                    </a:p>
+                  </a:txBody>
+                  <a:tcPr/>
+                </a:tc>
+              </a:tr>
+              <a:tr h="370840">
+                <a:tc>
+                  <a:txBody>
+                    <a:bodyPr/>
+                    <a:lstStyle/>
+                    <a:p>
+                      <a:r>
+                        <a:rPr lang="en-US" dirty="0" smtClean="0"/>
+                        <a:t>Oscars</a:t>
+                      </a:r>
+                      <a:endParaRPr lang="en-US" dirty="0"/>
+                    </a:p>
+                  </a:txBody>
+                  <a:tcPr/>
+                </a:tc>
+                <a:tc>
+                  <a:txBody>
+                    <a:bodyPr/>
+                    <a:lstStyle/>
+                    <a:p>
+                      <a:r>
+                        <a:rPr lang="en-US" dirty="0" smtClean="0"/>
+                        <a:t>82</a:t>
+                      </a:r>
+                      <a:endParaRPr lang="en-US" dirty="0"/>
+                    </a:p>
+                  </a:txBody>
+                  <a:tcPr/>
+                </a:tc>
+              </a:tr>
+            </a:tbl>
+          </a:graphicData>
+        </a:graphic>
+      </p:graphicFrame>
+    </p:spTree>
+    <p:extLst>
+      <p:ext uri="{BB962C8B-B14F-4D97-AF65-F5344CB8AC3E}">
+        <p14:creationId xmlns:p14="http://schemas.microsoft.com/office/powerpoint/2010/main" val="3220418498"/>
       </p:ext>
     </p:extLst>
   </p:cSld>
